--- a/MSDS 6372 Project 1.pptx
+++ b/MSDS 6372 Project 1.pptx
@@ -5,7 +5,7 @@
     <p:sldMasterId id="2147483659" r:id="rId1"/>
   </p:sldMasterIdLst>
   <p:notesMasterIdLst>
-    <p:notesMasterId r:id="rId24"/>
+    <p:notesMasterId r:id="rId25"/>
   </p:notesMasterIdLst>
   <p:sldIdLst>
     <p:sldId id="256" r:id="rId2"/>
@@ -27,42 +27,44 @@
     <p:sldId id="296" r:id="rId18"/>
     <p:sldId id="297" r:id="rId19"/>
     <p:sldId id="298" r:id="rId20"/>
-    <p:sldId id="299" r:id="rId21"/>
-    <p:sldId id="270" r:id="rId22"/>
-    <p:sldId id="277" r:id="rId23"/>
+    <p:sldId id="307" r:id="rId21"/>
+    <p:sldId id="299" r:id="rId22"/>
+    <p:sldId id="270" r:id="rId23"/>
+    <p:sldId id="277" r:id="rId24"/>
   </p:sldIdLst>
   <p:sldSz cx="9144000" cy="5143500" type="screen16x9"/>
   <p:notesSz cx="6858000" cy="9144000"/>
   <p:embeddedFontLst>
     <p:embeddedFont>
-      <p:font typeface="EB Garamond" panose="00000500000000000000" pitchFamily="2" charset="0"/>
-      <p:regular r:id="rId25"/>
-      <p:bold r:id="rId26"/>
-      <p:italic r:id="rId27"/>
-      <p:boldItalic r:id="rId28"/>
+      <p:font typeface="EB Garamond" pitchFamily="2" charset="0"/>
+      <p:regular r:id="rId26"/>
+      <p:bold r:id="rId27"/>
+      <p:italic r:id="rId28"/>
+      <p:boldItalic r:id="rId29"/>
     </p:embeddedFont>
     <p:embeddedFont>
-      <p:font typeface="Fira Sans Extra Condensed Medium" panose="020B0604020202020204" charset="0"/>
-      <p:regular r:id="rId29"/>
-      <p:bold r:id="rId30"/>
-      <p:italic r:id="rId31"/>
-      <p:boldItalic r:id="rId32"/>
+      <p:font typeface="Fira Sans Extra Condensed Medium" panose="020B0603050000020004" pitchFamily="34" charset="0"/>
+      <p:regular r:id="rId30"/>
+      <p:bold r:id="rId31"/>
+      <p:italic r:id="rId32"/>
+      <p:boldItalic r:id="rId33"/>
     </p:embeddedFont>
     <p:embeddedFont>
-      <p:font typeface="Montserrat ExtraBold" panose="00000900000000000000" pitchFamily="2" charset="0"/>
-      <p:bold r:id="rId33"/>
-      <p:boldItalic r:id="rId34"/>
+      <p:font typeface="Montserrat ExtraBold" panose="020F0502020204030204" pitchFamily="34" charset="0"/>
+      <p:bold r:id="rId34"/>
+      <p:italic r:id="rId35"/>
+      <p:boldItalic r:id="rId36"/>
     </p:embeddedFont>
     <p:embeddedFont>
-      <p:font typeface="Montserrat Light" panose="00000400000000000000" pitchFamily="2" charset="0"/>
-      <p:regular r:id="rId35"/>
-      <p:bold r:id="rId36"/>
-      <p:italic r:id="rId37"/>
-      <p:boldItalic r:id="rId38"/>
+      <p:font typeface="Montserrat Light" panose="020F0302020204030204" pitchFamily="34" charset="0"/>
+      <p:regular r:id="rId37"/>
+      <p:bold r:id="rId38"/>
+      <p:italic r:id="rId39"/>
+      <p:boldItalic r:id="rId40"/>
     </p:embeddedFont>
     <p:embeddedFont>
-      <p:font typeface="Squada One" panose="020B0604020202020204" charset="0"/>
-      <p:regular r:id="rId39"/>
+      <p:font typeface="Squada One" panose="02000000000000000000" pitchFamily="2" charset="0"/>
+      <p:regular r:id="rId41"/>
     </p:embeddedFont>
   </p:embeddedFontLst>
   <p:defaultTextStyle>
@@ -2130,6 +2132,115 @@
     </p:spTree>
     <p:extLst>
       <p:ext uri="{BB962C8B-B14F-4D97-AF65-F5344CB8AC3E}">
+        <p14:creationId xmlns:p14="http://schemas.microsoft.com/office/powerpoint/2010/main" val="4136711564"/>
+      </p:ext>
+    </p:extLst>
+  </p:cSld>
+  <p:clrMapOvr>
+    <a:masterClrMapping/>
+  </p:clrMapOvr>
+</p:notes>
+</file>
+
+<file path=ppt/notesSlides/notesSlide21.xml><?xml version="1.0" encoding="utf-8"?>
+<p:notes xmlns:a="http://schemas.openxmlformats.org/drawingml/2006/main" xmlns:r="http://schemas.openxmlformats.org/officeDocument/2006/relationships" xmlns:p="http://schemas.openxmlformats.org/presentationml/2006/main" showMasterSp="0" showMasterPhAnim="0">
+  <p:cSld>
+    <p:spTree>
+      <p:nvGrpSpPr>
+        <p:cNvPr id="1" name="Shape 885"/>
+        <p:cNvGrpSpPr/>
+        <p:nvPr/>
+      </p:nvGrpSpPr>
+      <p:grpSpPr>
+        <a:xfrm>
+          <a:off x="0" y="0"/>
+          <a:ext cx="0" cy="0"/>
+          <a:chOff x="0" y="0"/>
+          <a:chExt cx="0" cy="0"/>
+        </a:xfrm>
+      </p:grpSpPr>
+      <p:sp>
+        <p:nvSpPr>
+          <p:cNvPr id="886" name="Google Shape;886;g59d6898307_0_538:notes"/>
+          <p:cNvSpPr>
+            <a:spLocks noGrp="1" noRot="1" noChangeAspect="1"/>
+          </p:cNvSpPr>
+          <p:nvPr>
+            <p:ph type="sldImg" idx="2"/>
+          </p:nvPr>
+        </p:nvSpPr>
+        <p:spPr>
+          <a:xfrm>
+            <a:off x="381000" y="685800"/>
+            <a:ext cx="6096000" cy="3429000"/>
+          </a:xfrm>
+          <a:custGeom>
+            <a:avLst/>
+            <a:gdLst/>
+            <a:ahLst/>
+            <a:cxnLst/>
+            <a:rect l="l" t="t" r="r" b="b"/>
+            <a:pathLst>
+              <a:path w="120000" h="120000" extrusionOk="0">
+                <a:moveTo>
+                  <a:pt x="0" y="0"/>
+                </a:moveTo>
+                <a:lnTo>
+                  <a:pt x="120000" y="0"/>
+                </a:lnTo>
+                <a:lnTo>
+                  <a:pt x="120000" y="120000"/>
+                </a:lnTo>
+                <a:lnTo>
+                  <a:pt x="0" y="120000"/>
+                </a:lnTo>
+                <a:close/>
+              </a:path>
+            </a:pathLst>
+          </a:custGeom>
+        </p:spPr>
+      </p:sp>
+      <p:sp>
+        <p:nvSpPr>
+          <p:cNvPr id="887" name="Google Shape;887;g59d6898307_0_538:notes"/>
+          <p:cNvSpPr txBox="1">
+            <a:spLocks noGrp="1"/>
+          </p:cNvSpPr>
+          <p:nvPr>
+            <p:ph type="body" idx="1"/>
+          </p:nvPr>
+        </p:nvSpPr>
+        <p:spPr>
+          <a:xfrm>
+            <a:off x="685800" y="4343400"/>
+            <a:ext cx="5486400" cy="4114800"/>
+          </a:xfrm>
+          <a:prstGeom prst="rect">
+            <a:avLst/>
+          </a:prstGeom>
+        </p:spPr>
+        <p:txBody>
+          <a:bodyPr spcFirstLastPara="1" wrap="square" lIns="91425" tIns="91425" rIns="91425" bIns="91425" anchor="t" anchorCtr="0">
+            <a:noAutofit/>
+          </a:bodyPr>
+          <a:lstStyle/>
+          <a:p>
+            <a:pPr marL="0" lvl="0" indent="0" algn="l" rtl="0">
+              <a:spcBef>
+                <a:spcPts val="0"/>
+              </a:spcBef>
+              <a:spcAft>
+                <a:spcPts val="0"/>
+              </a:spcAft>
+              <a:buNone/>
+            </a:pPr>
+            <a:endParaRPr/>
+          </a:p>
+        </p:txBody>
+      </p:sp>
+    </p:spTree>
+    <p:extLst>
+      <p:ext uri="{BB962C8B-B14F-4D97-AF65-F5344CB8AC3E}">
         <p14:creationId xmlns:p14="http://schemas.microsoft.com/office/powerpoint/2010/main" val="1060026556"/>
       </p:ext>
     </p:extLst>
@@ -2140,7 +2251,7 @@
 </p:notes>
 </file>
 
-<file path=ppt/notesSlides/notesSlide21.xml><?xml version="1.0" encoding="utf-8"?>
+<file path=ppt/notesSlides/notesSlide22.xml><?xml version="1.0" encoding="utf-8"?>
 <p:notes xmlns:a="http://schemas.openxmlformats.org/drawingml/2006/main" xmlns:r="http://schemas.openxmlformats.org/officeDocument/2006/relationships" xmlns:p="http://schemas.openxmlformats.org/presentationml/2006/main" showMasterSp="0" showMasterPhAnim="0">
   <p:cSld>
     <p:spTree>
@@ -2244,7 +2355,7 @@
 </p:notes>
 </file>
 
-<file path=ppt/notesSlides/notesSlide22.xml><?xml version="1.0" encoding="utf-8"?>
+<file path=ppt/notesSlides/notesSlide23.xml><?xml version="1.0" encoding="utf-8"?>
 <p:notes xmlns:a="http://schemas.openxmlformats.org/drawingml/2006/main" xmlns:r="http://schemas.openxmlformats.org/officeDocument/2006/relationships" xmlns:p="http://schemas.openxmlformats.org/presentationml/2006/main" showMasterSp="0" showMasterPhAnim="0">
   <p:cSld>
     <p:spTree>
@@ -29143,6 +29254,10 @@
               </a:spcAft>
               <a:buNone/>
             </a:pPr>
+            <a:r>
+              <a:rPr lang="en-US" dirty="0"/>
+              <a:t>Complex Linear Regression</a:t>
+            </a:r>
             <a:endParaRPr dirty="0"/>
           </a:p>
         </p:txBody>
@@ -29883,6 +29998,141 @@
           </a:p>
         </p:txBody>
       </p:sp>
+      <p:sp>
+        <p:nvSpPr>
+          <p:cNvPr id="3" name="TextBox 2">
+            <a:extLst>
+              <a:ext uri="{FF2B5EF4-FFF2-40B4-BE49-F238E27FC236}">
+                <a16:creationId xmlns:a16="http://schemas.microsoft.com/office/drawing/2014/main" id="{6AFA5F31-9A37-B939-391F-0B8AEB102124}"/>
+              </a:ext>
+            </a:extLst>
+          </p:cNvPr>
+          <p:cNvSpPr txBox="1"/>
+          <p:nvPr/>
+        </p:nvSpPr>
+        <p:spPr>
+          <a:xfrm>
+            <a:off x="321335" y="1288792"/>
+            <a:ext cx="2480422" cy="954107"/>
+          </a:xfrm>
+          <a:prstGeom prst="rect">
+            <a:avLst/>
+          </a:prstGeom>
+          <a:noFill/>
+        </p:spPr>
+        <p:txBody>
+          <a:bodyPr wrap="square">
+            <a:spAutoFit/>
+          </a:bodyPr>
+          <a:lstStyle/>
+          <a:p>
+            <a:pPr marL="285750" indent="-285750">
+              <a:buFont typeface="Arial" panose="020B0604020202020204" pitchFamily="34" charset="0"/>
+              <a:buChar char="•"/>
+            </a:pPr>
+            <a:r>
+              <a:rPr lang="en-US" b="0" dirty="0">
+                <a:solidFill>
+                  <a:srgbClr val="3B3B3B"/>
+                </a:solidFill>
+                <a:effectLst/>
+                <a:latin typeface="+mn-lt"/>
+              </a:rPr>
+              <a:t>To add complexity, we include the transformations discussed in the EDA:</a:t>
+            </a:r>
+          </a:p>
+        </p:txBody>
+      </p:sp>
+      <p:pic>
+        <p:nvPicPr>
+          <p:cNvPr id="4" name="Picture 3">
+            <a:extLst>
+              <a:ext uri="{FF2B5EF4-FFF2-40B4-BE49-F238E27FC236}">
+                <a16:creationId xmlns:a16="http://schemas.microsoft.com/office/drawing/2014/main" id="{8D41DC94-91F9-9A8E-485F-68AF94885C0D}"/>
+              </a:ext>
+            </a:extLst>
+          </p:cNvPr>
+          <p:cNvPicPr>
+            <a:picLocks noChangeAspect="1"/>
+          </p:cNvPicPr>
+          <p:nvPr/>
+        </p:nvPicPr>
+        <p:blipFill>
+          <a:blip r:embed="rId3"/>
+          <a:stretch>
+            <a:fillRect/>
+          </a:stretch>
+        </p:blipFill>
+        <p:spPr>
+          <a:xfrm>
+            <a:off x="3154795" y="409957"/>
+            <a:ext cx="5946870" cy="4436669"/>
+          </a:xfrm>
+          <a:prstGeom prst="rect">
+            <a:avLst/>
+          </a:prstGeom>
+        </p:spPr>
+      </p:pic>
+      <p:sp>
+        <p:nvSpPr>
+          <p:cNvPr id="5" name="Frame 4">
+            <a:extLst>
+              <a:ext uri="{FF2B5EF4-FFF2-40B4-BE49-F238E27FC236}">
+                <a16:creationId xmlns:a16="http://schemas.microsoft.com/office/drawing/2014/main" id="{1DB2F620-985B-F1A7-8252-98E0870C25F4}"/>
+              </a:ext>
+            </a:extLst>
+          </p:cNvPr>
+          <p:cNvSpPr/>
+          <p:nvPr/>
+        </p:nvSpPr>
+        <p:spPr>
+          <a:xfrm>
+            <a:off x="3217337" y="350688"/>
+            <a:ext cx="675445" cy="4585375"/>
+          </a:xfrm>
+          <a:prstGeom prst="frame">
+            <a:avLst>
+              <a:gd name="adj1" fmla="val 3973"/>
+            </a:avLst>
+          </a:prstGeom>
+          <a:solidFill>
+            <a:srgbClr val="C00000"/>
+          </a:solidFill>
+          <a:ln>
+            <a:solidFill>
+              <a:srgbClr val="C00000"/>
+            </a:solidFill>
+          </a:ln>
+        </p:spPr>
+        <p:style>
+          <a:lnRef idx="2">
+            <a:schemeClr val="accent1">
+              <a:shade val="15000"/>
+            </a:schemeClr>
+          </a:lnRef>
+          <a:fillRef idx="1">
+            <a:schemeClr val="accent1"/>
+          </a:fillRef>
+          <a:effectRef idx="0">
+            <a:schemeClr val="accent1"/>
+          </a:effectRef>
+          <a:fontRef idx="minor">
+            <a:schemeClr val="lt1"/>
+          </a:fontRef>
+        </p:style>
+        <p:txBody>
+          <a:bodyPr rtlCol="0" anchor="ctr"/>
+          <a:lstStyle/>
+          <a:p>
+            <a:pPr algn="ctr"/>
+            <a:endParaRPr lang="en-US">
+              <a:solidFill>
+                <a:schemeClr val="tx1"/>
+              </a:solidFill>
+            </a:endParaRPr>
+          </a:p>
+        </p:txBody>
+      </p:sp>
     </p:spTree>
     <p:extLst>
       <p:ext uri="{BB962C8B-B14F-4D97-AF65-F5344CB8AC3E}">
@@ -31245,6 +31495,10 @@
               </a:spcAft>
               <a:buNone/>
             </a:pPr>
+            <a:r>
+              <a:rPr lang="en-US" dirty="0"/>
+              <a:t>Complex Linear Regression</a:t>
+            </a:r>
             <a:endParaRPr dirty="0"/>
           </a:p>
         </p:txBody>
@@ -31985,6 +32239,992 @@
           </a:p>
         </p:txBody>
       </p:sp>
+      <p:pic>
+        <p:nvPicPr>
+          <p:cNvPr id="2" name="Picture 1">
+            <a:extLst>
+              <a:ext uri="{FF2B5EF4-FFF2-40B4-BE49-F238E27FC236}">
+                <a16:creationId xmlns:a16="http://schemas.microsoft.com/office/drawing/2014/main" id="{D3544A38-4604-50B3-29CE-BC6ACFEC7433}"/>
+              </a:ext>
+            </a:extLst>
+          </p:cNvPr>
+          <p:cNvPicPr>
+            <a:picLocks noChangeAspect="1"/>
+          </p:cNvPicPr>
+          <p:nvPr/>
+        </p:nvPicPr>
+        <p:blipFill rotWithShape="1">
+          <a:blip r:embed="rId3"/>
+          <a:srcRect t="988"/>
+          <a:stretch/>
+        </p:blipFill>
+        <p:spPr>
+          <a:xfrm>
+            <a:off x="6166339" y="388413"/>
+            <a:ext cx="2656326" cy="4433324"/>
+          </a:xfrm>
+          <a:prstGeom prst="rect">
+            <a:avLst/>
+          </a:prstGeom>
+        </p:spPr>
+      </p:pic>
+      <p:sp>
+        <p:nvSpPr>
+          <p:cNvPr id="3" name="TextBox 2">
+            <a:extLst>
+              <a:ext uri="{FF2B5EF4-FFF2-40B4-BE49-F238E27FC236}">
+                <a16:creationId xmlns:a16="http://schemas.microsoft.com/office/drawing/2014/main" id="{6AFA5F31-9A37-B939-391F-0B8AEB102124}"/>
+              </a:ext>
+            </a:extLst>
+          </p:cNvPr>
+          <p:cNvSpPr txBox="1"/>
+          <p:nvPr/>
+        </p:nvSpPr>
+        <p:spPr>
+          <a:xfrm>
+            <a:off x="321335" y="1288792"/>
+            <a:ext cx="5482040" cy="2000548"/>
+          </a:xfrm>
+          <a:prstGeom prst="rect">
+            <a:avLst/>
+          </a:prstGeom>
+          <a:noFill/>
+        </p:spPr>
+        <p:txBody>
+          <a:bodyPr wrap="square">
+            <a:spAutoFit/>
+          </a:bodyPr>
+          <a:lstStyle/>
+          <a:p>
+            <a:pPr marL="285750" indent="-285750">
+              <a:buFont typeface="Arial" panose="020B0604020202020204" pitchFamily="34" charset="0"/>
+              <a:buChar char="•"/>
+            </a:pPr>
+            <a:r>
+              <a:rPr lang="en-US" sz="1200" b="0" dirty="0">
+                <a:solidFill>
+                  <a:srgbClr val="3B3B3B"/>
+                </a:solidFill>
+                <a:effectLst/>
+                <a:latin typeface="+mn-lt"/>
+              </a:rPr>
+              <a:t>The linear regression model with transformations does better than the interpretable model. </a:t>
+            </a:r>
+          </a:p>
+          <a:p>
+            <a:pPr marL="285750" indent="-285750">
+              <a:buFont typeface="Arial" panose="020B0604020202020204" pitchFamily="34" charset="0"/>
+              <a:buChar char="•"/>
+            </a:pPr>
+            <a:r>
+              <a:rPr lang="en-US" sz="1200" b="0" dirty="0">
+                <a:solidFill>
+                  <a:srgbClr val="3B3B3B"/>
+                </a:solidFill>
+                <a:effectLst/>
+                <a:latin typeface="+mn-lt"/>
+              </a:rPr>
+              <a:t>The RMSE is </a:t>
+            </a:r>
+            <a:r>
+              <a:rPr lang="en-US" sz="1200" b="1" dirty="0">
+                <a:solidFill>
+                  <a:srgbClr val="3B3B3B"/>
+                </a:solidFill>
+                <a:effectLst/>
+                <a:latin typeface="+mn-lt"/>
+              </a:rPr>
+              <a:t>0.0152</a:t>
+            </a:r>
+            <a:r>
+              <a:rPr lang="en-US" sz="1200" b="0" dirty="0">
+                <a:solidFill>
+                  <a:srgbClr val="3B3B3B"/>
+                </a:solidFill>
+                <a:effectLst/>
+                <a:latin typeface="+mn-lt"/>
+              </a:rPr>
+              <a:t> on the log scale which translates to roughly a 16% multiplicative change on the original scale. </a:t>
+            </a:r>
+          </a:p>
+          <a:p>
+            <a:pPr marL="285750" indent="-285750">
+              <a:buFont typeface="Arial" panose="020B0604020202020204" pitchFamily="34" charset="0"/>
+              <a:buChar char="•"/>
+            </a:pPr>
+            <a:r>
+              <a:rPr lang="en-US" sz="1200" b="0" dirty="0">
+                <a:solidFill>
+                  <a:srgbClr val="3B3B3B"/>
+                </a:solidFill>
+                <a:effectLst/>
+                <a:latin typeface="+mn-lt"/>
+              </a:rPr>
+              <a:t>Interpreting this is difficult due to the complexity of the model, but this approximately corresponds to a $27,000 error in the predicted sale price. This is a significant improvement over the $30,000 error from the interpretable model. </a:t>
+            </a:r>
+          </a:p>
+          <a:p>
+            <a:pPr marL="285750" indent="-285750">
+              <a:buFont typeface="Arial" panose="020B0604020202020204" pitchFamily="34" charset="0"/>
+              <a:buChar char="•"/>
+            </a:pPr>
+            <a:r>
+              <a:rPr lang="en-US" sz="1200" dirty="0">
+                <a:solidFill>
+                  <a:srgbClr val="3B3B3B"/>
+                </a:solidFill>
+                <a:latin typeface="+mn-lt"/>
+              </a:rPr>
+              <a:t>The assumptions of linear regression appear to be better met after the transformations:</a:t>
+            </a:r>
+            <a:endParaRPr lang="en-US" sz="1200" b="0" dirty="0">
+              <a:solidFill>
+                <a:srgbClr val="3B3B3B"/>
+              </a:solidFill>
+              <a:effectLst/>
+              <a:latin typeface="+mn-lt"/>
+            </a:endParaRPr>
+          </a:p>
+        </p:txBody>
+      </p:sp>
+      <p:pic>
+        <p:nvPicPr>
+          <p:cNvPr id="4" name="Picture 3">
+            <a:extLst>
+              <a:ext uri="{FF2B5EF4-FFF2-40B4-BE49-F238E27FC236}">
+                <a16:creationId xmlns:a16="http://schemas.microsoft.com/office/drawing/2014/main" id="{FC12602E-AE37-568E-5DE0-82A31E9E6006}"/>
+              </a:ext>
+            </a:extLst>
+          </p:cNvPr>
+          <p:cNvPicPr>
+            <a:picLocks noChangeAspect="1"/>
+          </p:cNvPicPr>
+          <p:nvPr/>
+        </p:nvPicPr>
+        <p:blipFill>
+          <a:blip r:embed="rId4"/>
+          <a:stretch>
+            <a:fillRect/>
+          </a:stretch>
+        </p:blipFill>
+        <p:spPr>
+          <a:xfrm>
+            <a:off x="2108200" y="2983794"/>
+            <a:ext cx="3302000" cy="1946106"/>
+          </a:xfrm>
+          <a:prstGeom prst="rect">
+            <a:avLst/>
+          </a:prstGeom>
+        </p:spPr>
+      </p:pic>
+    </p:spTree>
+    <p:extLst>
+      <p:ext uri="{BB962C8B-B14F-4D97-AF65-F5344CB8AC3E}">
+        <p14:creationId xmlns:p14="http://schemas.microsoft.com/office/powerpoint/2010/main" val="1334729052"/>
+      </p:ext>
+    </p:extLst>
+  </p:cSld>
+  <p:clrMapOvr>
+    <a:masterClrMapping/>
+  </p:clrMapOvr>
+</p:sld>
+</file>
+
+<file path=ppt/slides/slide21.xml><?xml version="1.0" encoding="utf-8"?>
+<p:sld xmlns:a="http://schemas.openxmlformats.org/drawingml/2006/main" xmlns:r="http://schemas.openxmlformats.org/officeDocument/2006/relationships" xmlns:p="http://schemas.openxmlformats.org/presentationml/2006/main">
+  <p:cSld>
+    <p:spTree>
+      <p:nvGrpSpPr>
+        <p:cNvPr id="1" name="Shape 888"/>
+        <p:cNvGrpSpPr/>
+        <p:nvPr/>
+      </p:nvGrpSpPr>
+      <p:grpSpPr>
+        <a:xfrm>
+          <a:off x="0" y="0"/>
+          <a:ext cx="0" cy="0"/>
+          <a:chOff x="0" y="0"/>
+          <a:chExt cx="0" cy="0"/>
+        </a:xfrm>
+      </p:grpSpPr>
+      <p:sp>
+        <p:nvSpPr>
+          <p:cNvPr id="889" name="Google Shape;889;p26"/>
+          <p:cNvSpPr txBox="1">
+            <a:spLocks noGrp="1"/>
+          </p:cNvSpPr>
+          <p:nvPr>
+            <p:ph type="ctrTitle"/>
+          </p:nvPr>
+        </p:nvSpPr>
+        <p:spPr>
+          <a:xfrm>
+            <a:off x="790975" y="720000"/>
+            <a:ext cx="5012400" cy="314100"/>
+          </a:xfrm>
+          <a:prstGeom prst="rect">
+            <a:avLst/>
+          </a:prstGeom>
+        </p:spPr>
+        <p:txBody>
+          <a:bodyPr spcFirstLastPara="1" wrap="square" lIns="91425" tIns="91425" rIns="91425" bIns="91425" anchor="b" anchorCtr="0">
+            <a:noAutofit/>
+          </a:bodyPr>
+          <a:lstStyle/>
+          <a:p>
+            <a:pPr marL="0" lvl="0" indent="0" algn="l" rtl="0">
+              <a:spcBef>
+                <a:spcPts val="0"/>
+              </a:spcBef>
+              <a:spcAft>
+                <a:spcPts val="0"/>
+              </a:spcAft>
+              <a:buNone/>
+            </a:pPr>
+            <a:r>
+              <a:rPr lang="en-US" dirty="0"/>
+              <a:t>Random Forest</a:t>
+            </a:r>
+            <a:endParaRPr dirty="0"/>
+          </a:p>
+        </p:txBody>
+      </p:sp>
+      <p:sp>
+        <p:nvSpPr>
+          <p:cNvPr id="893" name="Google Shape;893;p26"/>
+          <p:cNvSpPr/>
+          <p:nvPr/>
+        </p:nvSpPr>
+        <p:spPr>
+          <a:xfrm>
+            <a:off x="-5555638" y="723048"/>
+            <a:ext cx="106534" cy="94700"/>
+          </a:xfrm>
+          <a:custGeom>
+            <a:avLst/>
+            <a:gdLst/>
+            <a:ahLst/>
+            <a:cxnLst/>
+            <a:rect l="l" t="t" r="r" b="b"/>
+            <a:pathLst>
+              <a:path w="4019" h="3788" extrusionOk="0">
+                <a:moveTo>
+                  <a:pt x="4018" y="1"/>
+                </a:moveTo>
+                <a:lnTo>
+                  <a:pt x="1" y="3788"/>
+                </a:lnTo>
+                <a:lnTo>
+                  <a:pt x="4018" y="3788"/>
+                </a:lnTo>
+                <a:lnTo>
+                  <a:pt x="4018" y="1"/>
+                </a:lnTo>
+                <a:close/>
+              </a:path>
+            </a:pathLst>
+          </a:custGeom>
+          <a:solidFill>
+            <a:srgbClr val="CC4125"/>
+          </a:solidFill>
+          <a:ln>
+            <a:noFill/>
+          </a:ln>
+        </p:spPr>
+        <p:txBody>
+          <a:bodyPr spcFirstLastPara="1" wrap="square" lIns="91425" tIns="91425" rIns="91425" bIns="91425" anchor="ctr" anchorCtr="0">
+            <a:noAutofit/>
+          </a:bodyPr>
+          <a:lstStyle/>
+          <a:p>
+            <a:pPr marL="0" lvl="0" indent="0" algn="l" rtl="0">
+              <a:spcBef>
+                <a:spcPts val="0"/>
+              </a:spcBef>
+              <a:spcAft>
+                <a:spcPts val="0"/>
+              </a:spcAft>
+              <a:buNone/>
+            </a:pPr>
+            <a:endParaRPr/>
+          </a:p>
+        </p:txBody>
+      </p:sp>
+      <p:sp>
+        <p:nvSpPr>
+          <p:cNvPr id="894" name="Google Shape;894;p26"/>
+          <p:cNvSpPr/>
+          <p:nvPr/>
+        </p:nvSpPr>
+        <p:spPr>
+          <a:xfrm>
+            <a:off x="-5260011" y="1355471"/>
+            <a:ext cx="107064" cy="94700"/>
+          </a:xfrm>
+          <a:custGeom>
+            <a:avLst/>
+            <a:gdLst/>
+            <a:ahLst/>
+            <a:cxnLst/>
+            <a:rect l="l" t="t" r="r" b="b"/>
+            <a:pathLst>
+              <a:path w="4039" h="3788" extrusionOk="0">
+                <a:moveTo>
+                  <a:pt x="4038" y="0"/>
+                </a:moveTo>
+                <a:lnTo>
+                  <a:pt x="0" y="3787"/>
+                </a:lnTo>
+                <a:lnTo>
+                  <a:pt x="4038" y="3787"/>
+                </a:lnTo>
+                <a:lnTo>
+                  <a:pt x="4038" y="0"/>
+                </a:lnTo>
+                <a:close/>
+              </a:path>
+            </a:pathLst>
+          </a:custGeom>
+          <a:solidFill>
+            <a:srgbClr val="666666"/>
+          </a:solidFill>
+          <a:ln>
+            <a:noFill/>
+          </a:ln>
+        </p:spPr>
+        <p:txBody>
+          <a:bodyPr spcFirstLastPara="1" wrap="square" lIns="91425" tIns="91425" rIns="91425" bIns="91425" anchor="ctr" anchorCtr="0">
+            <a:noAutofit/>
+          </a:bodyPr>
+          <a:lstStyle/>
+          <a:p>
+            <a:pPr marL="0" lvl="0" indent="0" algn="l" rtl="0">
+              <a:spcBef>
+                <a:spcPts val="0"/>
+              </a:spcBef>
+              <a:spcAft>
+                <a:spcPts val="0"/>
+              </a:spcAft>
+              <a:buNone/>
+            </a:pPr>
+            <a:endParaRPr/>
+          </a:p>
+        </p:txBody>
+      </p:sp>
+      <p:sp>
+        <p:nvSpPr>
+          <p:cNvPr id="895" name="Google Shape;895;p26"/>
+          <p:cNvSpPr/>
+          <p:nvPr/>
+        </p:nvSpPr>
+        <p:spPr>
+          <a:xfrm>
+            <a:off x="-4970507" y="1987869"/>
+            <a:ext cx="107064" cy="94200"/>
+          </a:xfrm>
+          <a:custGeom>
+            <a:avLst/>
+            <a:gdLst/>
+            <a:ahLst/>
+            <a:cxnLst/>
+            <a:rect l="l" t="t" r="r" b="b"/>
+            <a:pathLst>
+              <a:path w="4039" h="3768" extrusionOk="0">
+                <a:moveTo>
+                  <a:pt x="4038" y="1"/>
+                </a:moveTo>
+                <a:lnTo>
+                  <a:pt x="0" y="3767"/>
+                </a:lnTo>
+                <a:lnTo>
+                  <a:pt x="4038" y="3767"/>
+                </a:lnTo>
+                <a:lnTo>
+                  <a:pt x="4038" y="1"/>
+                </a:lnTo>
+                <a:close/>
+              </a:path>
+            </a:pathLst>
+          </a:custGeom>
+          <a:solidFill>
+            <a:srgbClr val="434343"/>
+          </a:solidFill>
+          <a:ln>
+            <a:noFill/>
+          </a:ln>
+        </p:spPr>
+        <p:txBody>
+          <a:bodyPr spcFirstLastPara="1" wrap="square" lIns="91425" tIns="91425" rIns="91425" bIns="91425" anchor="ctr" anchorCtr="0">
+            <a:noAutofit/>
+          </a:bodyPr>
+          <a:lstStyle/>
+          <a:p>
+            <a:pPr marL="0" lvl="0" indent="0" algn="l" rtl="0">
+              <a:spcBef>
+                <a:spcPts val="0"/>
+              </a:spcBef>
+              <a:spcAft>
+                <a:spcPts val="0"/>
+              </a:spcAft>
+              <a:buNone/>
+            </a:pPr>
+            <a:endParaRPr/>
+          </a:p>
+        </p:txBody>
+      </p:sp>
+      <p:sp>
+        <p:nvSpPr>
+          <p:cNvPr id="896" name="Google Shape;896;p26"/>
+          <p:cNvSpPr/>
+          <p:nvPr/>
+        </p:nvSpPr>
+        <p:spPr>
+          <a:xfrm>
+            <a:off x="-5845142" y="185325"/>
+            <a:ext cx="3108190" cy="632425"/>
+          </a:xfrm>
+          <a:custGeom>
+            <a:avLst/>
+            <a:gdLst/>
+            <a:ahLst/>
+            <a:cxnLst/>
+            <a:rect l="l" t="t" r="r" b="b"/>
+            <a:pathLst>
+              <a:path w="117257" h="25297" extrusionOk="0">
+                <a:moveTo>
+                  <a:pt x="1" y="0"/>
+                </a:moveTo>
+                <a:lnTo>
+                  <a:pt x="14647" y="25297"/>
+                </a:lnTo>
+                <a:lnTo>
+                  <a:pt x="102066" y="25297"/>
+                </a:lnTo>
+                <a:lnTo>
+                  <a:pt x="117257" y="0"/>
+                </a:lnTo>
+                <a:close/>
+              </a:path>
+            </a:pathLst>
+          </a:custGeom>
+          <a:solidFill>
+            <a:srgbClr val="DD7E6B"/>
+          </a:solidFill>
+          <a:ln>
+            <a:noFill/>
+          </a:ln>
+        </p:spPr>
+        <p:txBody>
+          <a:bodyPr spcFirstLastPara="1" wrap="square" lIns="91425" tIns="91425" rIns="91425" bIns="91425" anchor="ctr" anchorCtr="0">
+            <a:noAutofit/>
+          </a:bodyPr>
+          <a:lstStyle/>
+          <a:p>
+            <a:pPr marL="0" lvl="0" indent="0" algn="l" rtl="0">
+              <a:spcBef>
+                <a:spcPts val="0"/>
+              </a:spcBef>
+              <a:spcAft>
+                <a:spcPts val="0"/>
+              </a:spcAft>
+              <a:buNone/>
+            </a:pPr>
+            <a:endParaRPr/>
+          </a:p>
+        </p:txBody>
+      </p:sp>
+      <p:sp>
+        <p:nvSpPr>
+          <p:cNvPr id="897" name="Google Shape;897;p26"/>
+          <p:cNvSpPr/>
+          <p:nvPr/>
+        </p:nvSpPr>
+        <p:spPr>
+          <a:xfrm>
+            <a:off x="-5555638" y="817723"/>
+            <a:ext cx="2424880" cy="631925"/>
+          </a:xfrm>
+          <a:custGeom>
+            <a:avLst/>
+            <a:gdLst/>
+            <a:ahLst/>
+            <a:cxnLst/>
+            <a:rect l="l" t="t" r="r" b="b"/>
+            <a:pathLst>
+              <a:path w="91479" h="25277" extrusionOk="0">
+                <a:moveTo>
+                  <a:pt x="1" y="1"/>
+                </a:moveTo>
+                <a:lnTo>
+                  <a:pt x="14647" y="25276"/>
+                </a:lnTo>
+                <a:lnTo>
+                  <a:pt x="76602" y="25276"/>
+                </a:lnTo>
+                <a:lnTo>
+                  <a:pt x="91479" y="1"/>
+                </a:lnTo>
+                <a:close/>
+              </a:path>
+            </a:pathLst>
+          </a:custGeom>
+          <a:solidFill>
+            <a:srgbClr val="E6B8AF"/>
+          </a:solidFill>
+          <a:ln>
+            <a:noFill/>
+          </a:ln>
+        </p:spPr>
+        <p:txBody>
+          <a:bodyPr spcFirstLastPara="1" wrap="square" lIns="91425" tIns="91425" rIns="91425" bIns="91425" anchor="ctr" anchorCtr="0">
+            <a:noAutofit/>
+          </a:bodyPr>
+          <a:lstStyle/>
+          <a:p>
+            <a:pPr marL="0" lvl="0" indent="0" algn="l" rtl="0">
+              <a:spcBef>
+                <a:spcPts val="0"/>
+              </a:spcBef>
+              <a:spcAft>
+                <a:spcPts val="0"/>
+              </a:spcAft>
+              <a:buNone/>
+            </a:pPr>
+            <a:endParaRPr/>
+          </a:p>
+        </p:txBody>
+      </p:sp>
+      <p:sp>
+        <p:nvSpPr>
+          <p:cNvPr id="898" name="Google Shape;898;p26"/>
+          <p:cNvSpPr/>
+          <p:nvPr/>
+        </p:nvSpPr>
+        <p:spPr>
+          <a:xfrm>
+            <a:off x="-5259481" y="1449621"/>
+            <a:ext cx="1739369" cy="632450"/>
+          </a:xfrm>
+          <a:custGeom>
+            <a:avLst/>
+            <a:gdLst/>
+            <a:ahLst/>
+            <a:cxnLst/>
+            <a:rect l="l" t="t" r="r" b="b"/>
+            <a:pathLst>
+              <a:path w="65618" h="25298" extrusionOk="0">
+                <a:moveTo>
+                  <a:pt x="1" y="0"/>
+                </a:moveTo>
+                <a:lnTo>
+                  <a:pt x="14417" y="25297"/>
+                </a:lnTo>
+                <a:lnTo>
+                  <a:pt x="50887" y="25297"/>
+                </a:lnTo>
+                <a:lnTo>
+                  <a:pt x="65617" y="0"/>
+                </a:lnTo>
+                <a:close/>
+              </a:path>
+            </a:pathLst>
+          </a:custGeom>
+          <a:solidFill>
+            <a:srgbClr val="B7B7B7"/>
+          </a:solidFill>
+          <a:ln>
+            <a:noFill/>
+          </a:ln>
+        </p:spPr>
+        <p:txBody>
+          <a:bodyPr spcFirstLastPara="1" wrap="square" lIns="91425" tIns="91425" rIns="91425" bIns="91425" anchor="ctr" anchorCtr="0">
+            <a:noAutofit/>
+          </a:bodyPr>
+          <a:lstStyle/>
+          <a:p>
+            <a:pPr marL="0" lvl="0" indent="0" algn="l" rtl="0">
+              <a:spcBef>
+                <a:spcPts val="0"/>
+              </a:spcBef>
+              <a:spcAft>
+                <a:spcPts val="0"/>
+              </a:spcAft>
+              <a:buNone/>
+            </a:pPr>
+            <a:endParaRPr/>
+          </a:p>
+        </p:txBody>
+      </p:sp>
+      <p:sp>
+        <p:nvSpPr>
+          <p:cNvPr id="899" name="Google Shape;899;p26"/>
+          <p:cNvSpPr/>
+          <p:nvPr/>
+        </p:nvSpPr>
+        <p:spPr>
+          <a:xfrm>
+            <a:off x="-4970507" y="2082044"/>
+            <a:ext cx="1061572" cy="632425"/>
+          </a:xfrm>
+          <a:custGeom>
+            <a:avLst/>
+            <a:gdLst/>
+            <a:ahLst/>
+            <a:cxnLst/>
+            <a:rect l="l" t="t" r="r" b="b"/>
+            <a:pathLst>
+              <a:path w="40048" h="25297" extrusionOk="0">
+                <a:moveTo>
+                  <a:pt x="0" y="0"/>
+                </a:moveTo>
+                <a:lnTo>
+                  <a:pt x="14668" y="25297"/>
+                </a:lnTo>
+                <a:lnTo>
+                  <a:pt x="25360" y="25297"/>
+                </a:lnTo>
+                <a:lnTo>
+                  <a:pt x="40048" y="0"/>
+                </a:lnTo>
+                <a:close/>
+              </a:path>
+            </a:pathLst>
+          </a:custGeom>
+          <a:solidFill>
+            <a:srgbClr val="666666"/>
+          </a:solidFill>
+          <a:ln>
+            <a:noFill/>
+          </a:ln>
+        </p:spPr>
+        <p:txBody>
+          <a:bodyPr spcFirstLastPara="1" wrap="square" lIns="91425" tIns="91425" rIns="91425" bIns="91425" anchor="ctr" anchorCtr="0">
+            <a:noAutofit/>
+          </a:bodyPr>
+          <a:lstStyle/>
+          <a:p>
+            <a:pPr marL="0" lvl="0" indent="0" algn="l" rtl="0">
+              <a:spcBef>
+                <a:spcPts val="0"/>
+              </a:spcBef>
+              <a:spcAft>
+                <a:spcPts val="0"/>
+              </a:spcAft>
+              <a:buNone/>
+            </a:pPr>
+            <a:endParaRPr/>
+          </a:p>
+        </p:txBody>
+      </p:sp>
+      <p:cxnSp>
+        <p:nvCxnSpPr>
+          <p:cNvPr id="901" name="Google Shape;901;p26"/>
+          <p:cNvCxnSpPr/>
+          <p:nvPr/>
+        </p:nvCxnSpPr>
+        <p:spPr>
+          <a:xfrm rot="10800000">
+            <a:off x="-3146278" y="740156"/>
+            <a:ext cx="559200" cy="0"/>
+          </a:xfrm>
+          <a:prstGeom prst="straightConnector1">
+            <a:avLst/>
+          </a:prstGeom>
+          <a:noFill/>
+          <a:ln w="19050" cap="flat" cmpd="sng">
+            <a:solidFill>
+              <a:srgbClr val="DD7E6B"/>
+            </a:solidFill>
+            <a:prstDash val="solid"/>
+            <a:round/>
+            <a:headEnd type="oval" w="med" len="med"/>
+            <a:tailEnd type="none" w="med" len="med"/>
+          </a:ln>
+        </p:spPr>
+      </p:cxnSp>
+      <p:cxnSp>
+        <p:nvCxnSpPr>
+          <p:cNvPr id="902" name="Google Shape;902;p26"/>
+          <p:cNvCxnSpPr/>
+          <p:nvPr/>
+        </p:nvCxnSpPr>
+        <p:spPr>
+          <a:xfrm rot="10800000">
+            <a:off x="-3857300" y="1918253"/>
+            <a:ext cx="1284300" cy="0"/>
+          </a:xfrm>
+          <a:prstGeom prst="straightConnector1">
+            <a:avLst/>
+          </a:prstGeom>
+          <a:noFill/>
+          <a:ln w="19050" cap="flat" cmpd="sng">
+            <a:solidFill>
+              <a:srgbClr val="B7B7B7"/>
+            </a:solidFill>
+            <a:prstDash val="solid"/>
+            <a:round/>
+            <a:headEnd type="oval" w="med" len="med"/>
+            <a:tailEnd type="none" w="med" len="med"/>
+          </a:ln>
+        </p:spPr>
+      </p:cxnSp>
+      <p:cxnSp>
+        <p:nvCxnSpPr>
+          <p:cNvPr id="903" name="Google Shape;903;p26"/>
+          <p:cNvCxnSpPr/>
+          <p:nvPr/>
+        </p:nvCxnSpPr>
+        <p:spPr>
+          <a:xfrm>
+            <a:off x="-5537512" y="2605075"/>
+            <a:ext cx="922800" cy="0"/>
+          </a:xfrm>
+          <a:prstGeom prst="straightConnector1">
+            <a:avLst/>
+          </a:prstGeom>
+          <a:noFill/>
+          <a:ln w="19050" cap="flat" cmpd="sng">
+            <a:solidFill>
+              <a:srgbClr val="666666"/>
+            </a:solidFill>
+            <a:prstDash val="solid"/>
+            <a:round/>
+            <a:headEnd type="oval" w="med" len="med"/>
+            <a:tailEnd type="none" w="med" len="med"/>
+          </a:ln>
+        </p:spPr>
+      </p:cxnSp>
+      <p:sp>
+        <p:nvSpPr>
+          <p:cNvPr id="904" name="Google Shape;904;p26"/>
+          <p:cNvSpPr/>
+          <p:nvPr/>
+        </p:nvSpPr>
+        <p:spPr>
+          <a:xfrm>
+            <a:off x="-4722898" y="2665300"/>
+            <a:ext cx="566400" cy="424800"/>
+          </a:xfrm>
+          <a:prstGeom prst="downArrow">
+            <a:avLst>
+              <a:gd name="adj1" fmla="val 50000"/>
+              <a:gd name="adj2" fmla="val 50000"/>
+            </a:avLst>
+          </a:prstGeom>
+          <a:solidFill>
+            <a:srgbClr val="666666"/>
+          </a:solidFill>
+          <a:ln>
+            <a:noFill/>
+          </a:ln>
+        </p:spPr>
+        <p:txBody>
+          <a:bodyPr spcFirstLastPara="1" wrap="square" lIns="91425" tIns="91425" rIns="91425" bIns="91425" anchor="ctr" anchorCtr="0">
+            <a:noAutofit/>
+          </a:bodyPr>
+          <a:lstStyle/>
+          <a:p>
+            <a:pPr marL="0" lvl="0" indent="0" algn="l" rtl="0">
+              <a:spcBef>
+                <a:spcPts val="0"/>
+              </a:spcBef>
+              <a:spcAft>
+                <a:spcPts val="0"/>
+              </a:spcAft>
+              <a:buNone/>
+            </a:pPr>
+            <a:endParaRPr/>
+          </a:p>
+        </p:txBody>
+      </p:sp>
+      <p:sp>
+        <p:nvSpPr>
+          <p:cNvPr id="905" name="Google Shape;905;p26"/>
+          <p:cNvSpPr/>
+          <p:nvPr/>
+        </p:nvSpPr>
+        <p:spPr>
+          <a:xfrm>
+            <a:off x="-4619562" y="3193035"/>
+            <a:ext cx="349421" cy="348568"/>
+          </a:xfrm>
+          <a:custGeom>
+            <a:avLst/>
+            <a:gdLst/>
+            <a:ahLst/>
+            <a:cxnLst/>
+            <a:rect l="l" t="t" r="r" b="b"/>
+            <a:pathLst>
+              <a:path w="12697" h="12666" extrusionOk="0">
+                <a:moveTo>
+                  <a:pt x="6301" y="1356"/>
+                </a:moveTo>
+                <a:cubicBezTo>
+                  <a:pt x="6522" y="1356"/>
+                  <a:pt x="6711" y="1576"/>
+                  <a:pt x="6711" y="1797"/>
+                </a:cubicBezTo>
+                <a:lnTo>
+                  <a:pt x="6711" y="2269"/>
+                </a:lnTo>
+                <a:cubicBezTo>
+                  <a:pt x="7656" y="2458"/>
+                  <a:pt x="8349" y="3309"/>
+                  <a:pt x="8349" y="4285"/>
+                </a:cubicBezTo>
+                <a:cubicBezTo>
+                  <a:pt x="8349" y="4538"/>
+                  <a:pt x="8160" y="4727"/>
+                  <a:pt x="7971" y="4727"/>
+                </a:cubicBezTo>
+                <a:cubicBezTo>
+                  <a:pt x="7719" y="4727"/>
+                  <a:pt x="7530" y="4538"/>
+                  <a:pt x="7530" y="4285"/>
+                </a:cubicBezTo>
+                <a:cubicBezTo>
+                  <a:pt x="7530" y="3624"/>
+                  <a:pt x="6994" y="3057"/>
+                  <a:pt x="6301" y="3057"/>
+                </a:cubicBezTo>
+                <a:cubicBezTo>
+                  <a:pt x="5640" y="3057"/>
+                  <a:pt x="5073" y="3624"/>
+                  <a:pt x="5073" y="4285"/>
+                </a:cubicBezTo>
+                <a:cubicBezTo>
+                  <a:pt x="5073" y="4947"/>
+                  <a:pt x="5829" y="5483"/>
+                  <a:pt x="6585" y="6018"/>
+                </a:cubicBezTo>
+                <a:cubicBezTo>
+                  <a:pt x="7435" y="6648"/>
+                  <a:pt x="8412" y="7310"/>
+                  <a:pt x="8412" y="8413"/>
+                </a:cubicBezTo>
+                <a:cubicBezTo>
+                  <a:pt x="8412" y="9421"/>
+                  <a:pt x="7687" y="10271"/>
+                  <a:pt x="6742" y="10429"/>
+                </a:cubicBezTo>
+                <a:lnTo>
+                  <a:pt x="6742" y="10901"/>
+                </a:lnTo>
+                <a:cubicBezTo>
+                  <a:pt x="6742" y="11154"/>
+                  <a:pt x="6553" y="11311"/>
+                  <a:pt x="6364" y="11311"/>
+                </a:cubicBezTo>
+                <a:cubicBezTo>
+                  <a:pt x="6144" y="11311"/>
+                  <a:pt x="5955" y="11091"/>
+                  <a:pt x="5955" y="10901"/>
+                </a:cubicBezTo>
+                <a:lnTo>
+                  <a:pt x="5955" y="10429"/>
+                </a:lnTo>
+                <a:cubicBezTo>
+                  <a:pt x="5010" y="10240"/>
+                  <a:pt x="4316" y="9421"/>
+                  <a:pt x="4316" y="8413"/>
+                </a:cubicBezTo>
+                <a:cubicBezTo>
+                  <a:pt x="4316" y="8192"/>
+                  <a:pt x="4505" y="8035"/>
+                  <a:pt x="4694" y="8035"/>
+                </a:cubicBezTo>
+                <a:cubicBezTo>
+                  <a:pt x="4884" y="8035"/>
+                  <a:pt x="5136" y="8224"/>
+                  <a:pt x="5136" y="8413"/>
+                </a:cubicBezTo>
+                <a:cubicBezTo>
+                  <a:pt x="5136" y="9106"/>
+                  <a:pt x="5671" y="9641"/>
+                  <a:pt x="6364" y="9641"/>
+                </a:cubicBezTo>
+                <a:cubicBezTo>
+                  <a:pt x="7026" y="9641"/>
+                  <a:pt x="7561" y="9106"/>
+                  <a:pt x="7561" y="8413"/>
+                </a:cubicBezTo>
+                <a:cubicBezTo>
+                  <a:pt x="7561" y="7751"/>
+                  <a:pt x="6868" y="7247"/>
+                  <a:pt x="6081" y="6680"/>
+                </a:cubicBezTo>
+                <a:cubicBezTo>
+                  <a:pt x="5199" y="6050"/>
+                  <a:pt x="4253" y="5388"/>
+                  <a:pt x="4253" y="4285"/>
+                </a:cubicBezTo>
+                <a:cubicBezTo>
+                  <a:pt x="4253" y="3309"/>
+                  <a:pt x="4978" y="2427"/>
+                  <a:pt x="5923" y="2269"/>
+                </a:cubicBezTo>
+                <a:lnTo>
+                  <a:pt x="5923" y="1797"/>
+                </a:lnTo>
+                <a:cubicBezTo>
+                  <a:pt x="5923" y="1576"/>
+                  <a:pt x="6112" y="1356"/>
+                  <a:pt x="6301" y="1356"/>
+                </a:cubicBezTo>
+                <a:close/>
+                <a:moveTo>
+                  <a:pt x="6333" y="1"/>
+                </a:moveTo>
+                <a:cubicBezTo>
+                  <a:pt x="2836" y="1"/>
+                  <a:pt x="0" y="2836"/>
+                  <a:pt x="0" y="6333"/>
+                </a:cubicBezTo>
+                <a:cubicBezTo>
+                  <a:pt x="0" y="9830"/>
+                  <a:pt x="2836" y="12666"/>
+                  <a:pt x="6333" y="12666"/>
+                </a:cubicBezTo>
+                <a:cubicBezTo>
+                  <a:pt x="9861" y="12666"/>
+                  <a:pt x="12697" y="9830"/>
+                  <a:pt x="12697" y="6333"/>
+                </a:cubicBezTo>
+                <a:cubicBezTo>
+                  <a:pt x="12697" y="2836"/>
+                  <a:pt x="9861" y="1"/>
+                  <a:pt x="6333" y="1"/>
+                </a:cubicBezTo>
+                <a:close/>
+              </a:path>
+            </a:pathLst>
+          </a:custGeom>
+          <a:solidFill>
+            <a:srgbClr val="434343"/>
+          </a:solidFill>
+          <a:ln>
+            <a:noFill/>
+          </a:ln>
+        </p:spPr>
+        <p:txBody>
+          <a:bodyPr spcFirstLastPara="1" wrap="square" lIns="91425" tIns="91425" rIns="91425" bIns="91425" anchor="ctr" anchorCtr="0">
+            <a:noAutofit/>
+          </a:bodyPr>
+          <a:lstStyle/>
+          <a:p>
+            <a:pPr marL="0" lvl="0" indent="0" algn="l" rtl="0">
+              <a:spcBef>
+                <a:spcPts val="0"/>
+              </a:spcBef>
+              <a:spcAft>
+                <a:spcPts val="0"/>
+              </a:spcAft>
+              <a:buNone/>
+            </a:pPr>
+            <a:endParaRPr/>
+          </a:p>
+        </p:txBody>
+      </p:sp>
     </p:spTree>
     <p:extLst>
       <p:ext uri="{BB962C8B-B14F-4D97-AF65-F5344CB8AC3E}">
@@ -31998,7 +33238,7 @@
 </p:sld>
 </file>
 
-<file path=ppt/slides/slide21.xml><?xml version="1.0" encoding="utf-8"?>
+<file path=ppt/slides/slide22.xml><?xml version="1.0" encoding="utf-8"?>
 <p:sld xmlns:a="http://schemas.openxmlformats.org/drawingml/2006/main" xmlns:r="http://schemas.openxmlformats.org/officeDocument/2006/relationships" xmlns:p="http://schemas.openxmlformats.org/presentationml/2006/main">
   <p:cSld>
     <p:spTree>
@@ -33241,7 +34481,7 @@
 </p:sld>
 </file>
 
-<file path=ppt/slides/slide22.xml><?xml version="1.0" encoding="utf-8"?>
+<file path=ppt/slides/slide23.xml><?xml version="1.0" encoding="utf-8"?>
 <p:sld xmlns:a="http://schemas.openxmlformats.org/drawingml/2006/main" xmlns:r="http://schemas.openxmlformats.org/officeDocument/2006/relationships" xmlns:p="http://schemas.openxmlformats.org/presentationml/2006/main">
   <p:cSld>
     <p:spTree>

--- a/MSDS 6372 Project 1.pptx
+++ b/MSDS 6372 Project 1.pptx
@@ -33335,7 +33335,7 @@
               <a:buNone/>
             </a:pPr>
             <a:r>
-              <a:rPr lang="en" sz="1100">
+              <a:rPr lang="en" sz="1100" dirty="0">
                 <a:solidFill>
                   <a:srgbClr val="434343"/>
                 </a:solidFill>
@@ -33344,9 +33344,9 @@
                 <a:cs typeface="EB Garamond"/>
                 <a:sym typeface="EB Garamond"/>
               </a:rPr>
-              <a:t>Jupiter is a gas giant and the biggest planet in our Solar System</a:t>
+              <a:t>Decreasing interpretability as complexity improves the predictive power.</a:t>
             </a:r>
-            <a:endParaRPr sz="1100">
+            <a:endParaRPr sz="1100" dirty="0">
               <a:solidFill>
                 <a:srgbClr val="434343"/>
               </a:solidFill>
@@ -33396,7 +33396,7 @@
               <a:buNone/>
             </a:pPr>
             <a:r>
-              <a:rPr lang="en" sz="1100">
+              <a:rPr lang="en" sz="1100" dirty="0">
                 <a:solidFill>
                   <a:srgbClr val="434343"/>
                 </a:solidFill>
@@ -33405,70 +33405,9 @@
                 <a:cs typeface="EB Garamond"/>
                 <a:sym typeface="EB Garamond"/>
               </a:rPr>
-              <a:t>Despite being red, Mars is a cold place, not hot. It’s full of iron oxide dust</a:t>
+              <a:t>Highly  useful for interpretation. Moderate predictive power.</a:t>
             </a:r>
-            <a:endParaRPr sz="1100">
-              <a:solidFill>
-                <a:srgbClr val="434343"/>
-              </a:solidFill>
-              <a:latin typeface="EB Garamond"/>
-              <a:ea typeface="EB Garamond"/>
-              <a:cs typeface="EB Garamond"/>
-              <a:sym typeface="EB Garamond"/>
-            </a:endParaRPr>
-          </a:p>
-        </p:txBody>
-      </p:sp>
-      <p:sp>
-        <p:nvSpPr>
-          <p:cNvPr id="1090" name="Google Shape;1090;p28"/>
-          <p:cNvSpPr txBox="1"/>
-          <p:nvPr/>
-        </p:nvSpPr>
-        <p:spPr>
-          <a:xfrm>
-            <a:off x="5727785" y="3887925"/>
-            <a:ext cx="1479600" cy="562800"/>
-          </a:xfrm>
-          <a:prstGeom prst="rect">
-            <a:avLst/>
-          </a:prstGeom>
-          <a:noFill/>
-          <a:ln>
-            <a:noFill/>
-          </a:ln>
-        </p:spPr>
-        <p:txBody>
-          <a:bodyPr spcFirstLastPara="1" wrap="square" lIns="0" tIns="6350" rIns="0" bIns="0" anchor="t" anchorCtr="0">
-            <a:noAutofit/>
-          </a:bodyPr>
-          <a:lstStyle/>
-          <a:p>
-            <a:pPr marL="0" marR="0" lvl="0" indent="0" algn="l" rtl="0">
-              <a:lnSpc>
-                <a:spcPct val="100000"/>
-              </a:lnSpc>
-              <a:spcBef>
-                <a:spcPts val="0"/>
-              </a:spcBef>
-              <a:spcAft>
-                <a:spcPts val="0"/>
-              </a:spcAft>
-              <a:buNone/>
-            </a:pPr>
-            <a:r>
-              <a:rPr lang="en" sz="1100">
-                <a:solidFill>
-                  <a:srgbClr val="434343"/>
-                </a:solidFill>
-                <a:latin typeface="EB Garamond"/>
-                <a:ea typeface="EB Garamond"/>
-                <a:cs typeface="EB Garamond"/>
-                <a:sym typeface="EB Garamond"/>
-              </a:rPr>
-              <a:t>Venus has a beautiful name and is the second planet from the Sun</a:t>
-            </a:r>
-            <a:endParaRPr sz="1100">
+            <a:endParaRPr sz="1100" dirty="0">
               <a:solidFill>
                 <a:srgbClr val="434343"/>
               </a:solidFill>
@@ -33518,7 +33457,7 @@
               <a:buNone/>
             </a:pPr>
             <a:r>
-              <a:rPr lang="en" sz="1100">
+              <a:rPr lang="en" sz="1100" dirty="0">
                 <a:solidFill>
                   <a:srgbClr val="434343"/>
                 </a:solidFill>
@@ -33529,7 +33468,7 @@
               </a:rPr>
               <a:t>Saturn is a gas giant, composed mostly of hydrogen and helium</a:t>
             </a:r>
-            <a:endParaRPr sz="1100">
+            <a:endParaRPr sz="1100" dirty="0">
               <a:solidFill>
                 <a:srgbClr val="434343"/>
               </a:solidFill>
@@ -33633,168 +33572,6 @@
         <p:sp>
           <p:nvSpPr>
             <p:cNvPr id="1094" name="Google Shape;1094;p28"/>
-            <p:cNvSpPr/>
-            <p:nvPr/>
-          </p:nvSpPr>
-          <p:spPr>
-            <a:xfrm>
-              <a:off x="3521850" y="3118313"/>
-              <a:ext cx="56275" cy="56275"/>
-            </a:xfrm>
-            <a:custGeom>
-              <a:avLst/>
-              <a:gdLst/>
-              <a:ahLst/>
-              <a:cxnLst/>
-              <a:rect l="l" t="t" r="r" b="b"/>
-              <a:pathLst>
-                <a:path w="2251" h="2251" extrusionOk="0">
-                  <a:moveTo>
-                    <a:pt x="1125" y="1"/>
-                  </a:moveTo>
-                  <a:cubicBezTo>
-                    <a:pt x="505" y="1"/>
-                    <a:pt x="0" y="506"/>
-                    <a:pt x="0" y="1126"/>
-                  </a:cubicBezTo>
-                  <a:cubicBezTo>
-                    <a:pt x="0" y="1746"/>
-                    <a:pt x="505" y="2251"/>
-                    <a:pt x="1125" y="2251"/>
-                  </a:cubicBezTo>
-                  <a:cubicBezTo>
-                    <a:pt x="1745" y="2251"/>
-                    <a:pt x="2250" y="1746"/>
-                    <a:pt x="2250" y="1126"/>
-                  </a:cubicBezTo>
-                  <a:cubicBezTo>
-                    <a:pt x="2250" y="506"/>
-                    <a:pt x="1745" y="1"/>
-                    <a:pt x="1125" y="1"/>
-                  </a:cubicBezTo>
-                  <a:close/>
-                </a:path>
-              </a:pathLst>
-            </a:custGeom>
-            <a:solidFill>
-              <a:schemeClr val="accent5"/>
-            </a:solidFill>
-            <a:ln>
-              <a:noFill/>
-            </a:ln>
-          </p:spPr>
-          <p:txBody>
-            <a:bodyPr spcFirstLastPara="1" wrap="square" lIns="91425" tIns="91425" rIns="91425" bIns="91425" anchor="ctr" anchorCtr="0">
-              <a:noAutofit/>
-            </a:bodyPr>
-            <a:lstStyle/>
-            <a:p>
-              <a:pPr marL="0" lvl="0" indent="0" algn="l" rtl="0">
-                <a:spcBef>
-                  <a:spcPts val="0"/>
-                </a:spcBef>
-                <a:spcAft>
-                  <a:spcPts val="0"/>
-                </a:spcAft>
-                <a:buNone/>
-              </a:pPr>
-              <a:endParaRPr/>
-            </a:p>
-          </p:txBody>
-        </p:sp>
-      </p:grpSp>
-      <p:grpSp>
-        <p:nvGrpSpPr>
-          <p:cNvPr id="1095" name="Google Shape;1095;p28"/>
-          <p:cNvGrpSpPr/>
-          <p:nvPr/>
-        </p:nvGrpSpPr>
-        <p:grpSpPr>
-          <a:xfrm>
-            <a:off x="5175127" y="3254489"/>
-            <a:ext cx="1994142" cy="478373"/>
-            <a:chOff x="3515000" y="3112625"/>
-            <a:chExt cx="282025" cy="67650"/>
-          </a:xfrm>
-        </p:grpSpPr>
-        <p:sp>
-          <p:nvSpPr>
-            <p:cNvPr id="1096" name="Google Shape;1096;p28"/>
-            <p:cNvSpPr/>
-            <p:nvPr/>
-          </p:nvSpPr>
-          <p:spPr>
-            <a:xfrm>
-              <a:off x="3515000" y="3112625"/>
-              <a:ext cx="282025" cy="67650"/>
-            </a:xfrm>
-            <a:custGeom>
-              <a:avLst/>
-              <a:gdLst/>
-              <a:ahLst/>
-              <a:cxnLst/>
-              <a:rect l="l" t="t" r="r" b="b"/>
-              <a:pathLst>
-                <a:path w="11281" h="2706" extrusionOk="0">
-                  <a:moveTo>
-                    <a:pt x="1349" y="0"/>
-                  </a:moveTo>
-                  <a:cubicBezTo>
-                    <a:pt x="606" y="0"/>
-                    <a:pt x="0" y="606"/>
-                    <a:pt x="0" y="1356"/>
-                  </a:cubicBezTo>
-                  <a:cubicBezTo>
-                    <a:pt x="0" y="2099"/>
-                    <a:pt x="606" y="2705"/>
-                    <a:pt x="1349" y="2705"/>
-                  </a:cubicBezTo>
-                  <a:lnTo>
-                    <a:pt x="9924" y="2705"/>
-                  </a:lnTo>
-                  <a:cubicBezTo>
-                    <a:pt x="10674" y="2705"/>
-                    <a:pt x="11280" y="2099"/>
-                    <a:pt x="11280" y="1356"/>
-                  </a:cubicBezTo>
-                  <a:cubicBezTo>
-                    <a:pt x="11280" y="606"/>
-                    <a:pt x="10674" y="0"/>
-                    <a:pt x="9924" y="0"/>
-                  </a:cubicBezTo>
-                  <a:close/>
-                </a:path>
-              </a:pathLst>
-            </a:custGeom>
-            <a:solidFill>
-              <a:schemeClr val="accent4"/>
-            </a:solidFill>
-            <a:ln>
-              <a:noFill/>
-            </a:ln>
-          </p:spPr>
-          <p:txBody>
-            <a:bodyPr spcFirstLastPara="1" wrap="square" lIns="91425" tIns="91425" rIns="91425" bIns="91425" anchor="ctr" anchorCtr="0">
-              <a:noAutofit/>
-            </a:bodyPr>
-            <a:lstStyle/>
-            <a:p>
-              <a:pPr marL="0" lvl="0" indent="0" algn="l" rtl="0">
-                <a:spcBef>
-                  <a:spcPts val="0"/>
-                </a:spcBef>
-                <a:spcAft>
-                  <a:spcPts val="0"/>
-                </a:spcAft>
-                <a:buNone/>
-              </a:pPr>
-              <a:endParaRPr/>
-            </a:p>
-          </p:txBody>
-        </p:sp>
-        <p:sp>
-          <p:nvSpPr>
-            <p:cNvPr id="1097" name="Google Shape;1097;p28"/>
             <p:cNvSpPr/>
             <p:nvPr/>
           </p:nvSpPr>
@@ -34224,7 +34001,7 @@
               <a:buNone/>
             </a:pPr>
             <a:r>
-              <a:rPr lang="en" sz="1100">
+              <a:rPr lang="en" sz="1100" dirty="0">
                 <a:solidFill>
                   <a:srgbClr val="FFFFFF"/>
                 </a:solidFill>
@@ -34233,9 +34010,9 @@
                 <a:cs typeface="Montserrat ExtraBold"/>
                 <a:sym typeface="Montserrat ExtraBold"/>
               </a:rPr>
-              <a:t>WEAKNESSES</a:t>
+              <a:t>Complex LR</a:t>
             </a:r>
-            <a:endParaRPr sz="1100">
+            <a:endParaRPr sz="1100" dirty="0">
               <a:solidFill>
                 <a:srgbClr val="FFFFFF"/>
               </a:solidFill>
@@ -34255,8 +34032,8 @@
         </p:nvSpPr>
         <p:spPr>
           <a:xfrm>
-            <a:off x="2219325" y="1660225"/>
-            <a:ext cx="1314300" cy="314100"/>
+            <a:off x="1993776" y="1660225"/>
+            <a:ext cx="1539849" cy="314100"/>
           </a:xfrm>
           <a:prstGeom prst="rect">
             <a:avLst/>
@@ -34282,7 +34059,7 @@
               <a:buNone/>
             </a:pPr>
             <a:r>
-              <a:rPr lang="en" sz="1100">
+              <a:rPr lang="en" sz="1100" dirty="0">
                 <a:solidFill>
                   <a:srgbClr val="FFFFFF"/>
                 </a:solidFill>
@@ -34291,9 +34068,9 @@
                 <a:cs typeface="Montserrat ExtraBold"/>
                 <a:sym typeface="Montserrat ExtraBold"/>
               </a:rPr>
-              <a:t>STRENGTHS</a:t>
+              <a:t>Linear Regression</a:t>
             </a:r>
-            <a:endParaRPr sz="1100">
+            <a:endParaRPr sz="1100" dirty="0">
               <a:solidFill>
                 <a:srgbClr val="FFFFFF"/>
               </a:solidFill>
@@ -34340,7 +34117,7 @@
               <a:buNone/>
             </a:pPr>
             <a:r>
-              <a:rPr lang="en" sz="1100">
+              <a:rPr lang="en" sz="1100" dirty="0">
                 <a:solidFill>
                   <a:srgbClr val="FFFFFF"/>
                 </a:solidFill>
@@ -34349,67 +34126,9 @@
                 <a:cs typeface="Montserrat ExtraBold"/>
                 <a:sym typeface="Montserrat ExtraBold"/>
               </a:rPr>
-              <a:t>OPPORTUNITIES</a:t>
+              <a:t>Random Forest</a:t>
             </a:r>
-            <a:endParaRPr sz="1100">
-              <a:solidFill>
-                <a:srgbClr val="FFFFFF"/>
-              </a:solidFill>
-              <a:latin typeface="Montserrat ExtraBold"/>
-              <a:ea typeface="Montserrat ExtraBold"/>
-              <a:cs typeface="Montserrat ExtraBold"/>
-              <a:sym typeface="Montserrat ExtraBold"/>
-            </a:endParaRPr>
-          </a:p>
-        </p:txBody>
-      </p:sp>
-      <p:sp>
-        <p:nvSpPr>
-          <p:cNvPr id="1107" name="Google Shape;1107;p28"/>
-          <p:cNvSpPr txBox="1"/>
-          <p:nvPr/>
-        </p:nvSpPr>
-        <p:spPr>
-          <a:xfrm>
-            <a:off x="5629275" y="3337425"/>
-            <a:ext cx="1314300" cy="314100"/>
-          </a:xfrm>
-          <a:prstGeom prst="rect">
-            <a:avLst/>
-          </a:prstGeom>
-          <a:noFill/>
-          <a:ln>
-            <a:noFill/>
-          </a:ln>
-        </p:spPr>
-        <p:txBody>
-          <a:bodyPr spcFirstLastPara="1" wrap="square" lIns="91425" tIns="91425" rIns="91425" bIns="91425" anchor="t" anchorCtr="0">
-            <a:noAutofit/>
-          </a:bodyPr>
-          <a:lstStyle/>
-          <a:p>
-            <a:pPr marL="0" lvl="0" indent="0" algn="l" rtl="0">
-              <a:spcBef>
-                <a:spcPts val="0"/>
-              </a:spcBef>
-              <a:spcAft>
-                <a:spcPts val="0"/>
-              </a:spcAft>
-              <a:buNone/>
-            </a:pPr>
-            <a:r>
-              <a:rPr lang="en" sz="1100">
-                <a:solidFill>
-                  <a:srgbClr val="FFFFFF"/>
-                </a:solidFill>
-                <a:latin typeface="Montserrat ExtraBold"/>
-                <a:ea typeface="Montserrat ExtraBold"/>
-                <a:cs typeface="Montserrat ExtraBold"/>
-                <a:sym typeface="Montserrat ExtraBold"/>
-              </a:rPr>
-              <a:t>THREATS</a:t>
-            </a:r>
-            <a:endParaRPr sz="1100">
+            <a:endParaRPr sz="1100" dirty="0">
               <a:solidFill>
                 <a:srgbClr val="FFFFFF"/>
               </a:solidFill>
@@ -34473,6 +34192,355 @@
           </a:ln>
         </p:spPr>
       </p:cxnSp>
+      <p:graphicFrame>
+        <p:nvGraphicFramePr>
+          <p:cNvPr id="2" name="Table 2">
+            <a:extLst>
+              <a:ext uri="{FF2B5EF4-FFF2-40B4-BE49-F238E27FC236}">
+                <a16:creationId xmlns:a16="http://schemas.microsoft.com/office/drawing/2014/main" id="{7EC19F0E-6185-E1AE-BD95-C5DD70E78D60}"/>
+              </a:ext>
+            </a:extLst>
+          </p:cNvPr>
+          <p:cNvGraphicFramePr>
+            <a:graphicFrameLocks noGrp="1"/>
+          </p:cNvGraphicFramePr>
+          <p:nvPr>
+            <p:extLst>
+              <p:ext uri="{D42A27DB-BD31-4B8C-83A1-F6EECF244321}">
+                <p14:modId xmlns:p14="http://schemas.microsoft.com/office/powerpoint/2010/main" val="2850410194"/>
+              </p:ext>
+            </p:extLst>
+          </p:nvPr>
+        </p:nvGraphicFramePr>
+        <p:xfrm>
+          <a:off x="4849151" y="3251869"/>
+          <a:ext cx="3876615" cy="1472308"/>
+        </p:xfrm>
+        <a:graphic>
+          <a:graphicData uri="http://schemas.openxmlformats.org/drawingml/2006/table">
+            <a:tbl>
+              <a:tblPr firstRow="1" bandRow="1">
+                <a:tableStyleId>{D3DBF1B1-A347-40BD-9EEB-CD4D5C4A562F}</a:tableStyleId>
+              </a:tblPr>
+              <a:tblGrid>
+                <a:gridCol w="1292205">
+                  <a:extLst>
+                    <a:ext uri="{9D8B030D-6E8A-4147-A177-3AD203B41FA5}">
+                      <a16:colId xmlns:a16="http://schemas.microsoft.com/office/drawing/2014/main" val="3254322182"/>
+                    </a:ext>
+                  </a:extLst>
+                </a:gridCol>
+                <a:gridCol w="1082244">
+                  <a:extLst>
+                    <a:ext uri="{9D8B030D-6E8A-4147-A177-3AD203B41FA5}">
+                      <a16:colId xmlns:a16="http://schemas.microsoft.com/office/drawing/2014/main" val="369471557"/>
+                    </a:ext>
+                  </a:extLst>
+                </a:gridCol>
+                <a:gridCol w="1502166">
+                  <a:extLst>
+                    <a:ext uri="{9D8B030D-6E8A-4147-A177-3AD203B41FA5}">
+                      <a16:colId xmlns:a16="http://schemas.microsoft.com/office/drawing/2014/main" val="1263609094"/>
+                    </a:ext>
+                  </a:extLst>
+                </a:gridCol>
+              </a:tblGrid>
+              <a:tr h="368077">
+                <a:tc>
+                  <a:txBody>
+                    <a:bodyPr/>
+                    <a:lstStyle/>
+                    <a:p>
+                      <a:pPr algn="ctr"/>
+                      <a:r>
+                        <a:rPr lang="en-US" sz="1400" dirty="0">
+                          <a:solidFill>
+                            <a:schemeClr val="tx1">
+                              <a:lumMod val="65000"/>
+                              <a:lumOff val="35000"/>
+                            </a:schemeClr>
+                          </a:solidFill>
+                          <a:latin typeface="EB Garamond" pitchFamily="2" charset="0"/>
+                          <a:ea typeface="EB Garamond" pitchFamily="2" charset="0"/>
+                        </a:rPr>
+                        <a:t>Model</a:t>
+                      </a:r>
+                    </a:p>
+                  </a:txBody>
+                  <a:tcPr/>
+                </a:tc>
+                <a:tc>
+                  <a:txBody>
+                    <a:bodyPr/>
+                    <a:lstStyle/>
+                    <a:p>
+                      <a:pPr algn="ctr"/>
+                      <a:r>
+                        <a:rPr lang="en-US" sz="1400" dirty="0">
+                          <a:solidFill>
+                            <a:schemeClr val="tx1">
+                              <a:lumMod val="65000"/>
+                              <a:lumOff val="35000"/>
+                            </a:schemeClr>
+                          </a:solidFill>
+                          <a:latin typeface="EB Garamond" pitchFamily="2" charset="0"/>
+                          <a:ea typeface="EB Garamond" pitchFamily="2" charset="0"/>
+                        </a:rPr>
+                        <a:t>Error</a:t>
+                      </a:r>
+                    </a:p>
+                  </a:txBody>
+                  <a:tcPr/>
+                </a:tc>
+                <a:tc>
+                  <a:txBody>
+                    <a:bodyPr/>
+                    <a:lstStyle/>
+                    <a:p>
+                      <a:pPr algn="ctr"/>
+                      <a:r>
+                        <a:rPr lang="en-US" sz="1400" dirty="0">
+                          <a:solidFill>
+                            <a:schemeClr val="tx1">
+                              <a:lumMod val="65000"/>
+                              <a:lumOff val="35000"/>
+                            </a:schemeClr>
+                          </a:solidFill>
+                          <a:latin typeface="EB Garamond" pitchFamily="2" charset="0"/>
+                          <a:ea typeface="EB Garamond" pitchFamily="2" charset="0"/>
+                        </a:rPr>
+                        <a:t>Interpretability</a:t>
+                      </a:r>
+                    </a:p>
+                  </a:txBody>
+                  <a:tcPr/>
+                </a:tc>
+                <a:extLst>
+                  <a:ext uri="{0D108BD9-81ED-4DB2-BD59-A6C34878D82A}">
+                    <a16:rowId xmlns:a16="http://schemas.microsoft.com/office/drawing/2014/main" val="119218323"/>
+                  </a:ext>
+                </a:extLst>
+              </a:tr>
+              <a:tr h="368077">
+                <a:tc>
+                  <a:txBody>
+                    <a:bodyPr/>
+                    <a:lstStyle/>
+                    <a:p>
+                      <a:r>
+                        <a:rPr lang="en-US" sz="1400" dirty="0">
+                          <a:solidFill>
+                            <a:schemeClr val="tx1">
+                              <a:lumMod val="65000"/>
+                              <a:lumOff val="35000"/>
+                            </a:schemeClr>
+                          </a:solidFill>
+                          <a:latin typeface="EB Garamond" pitchFamily="2" charset="0"/>
+                          <a:ea typeface="EB Garamond" pitchFamily="2" charset="0"/>
+                        </a:rPr>
+                        <a:t>LR</a:t>
+                      </a:r>
+                    </a:p>
+                  </a:txBody>
+                  <a:tcPr/>
+                </a:tc>
+                <a:tc>
+                  <a:txBody>
+                    <a:bodyPr/>
+                    <a:lstStyle/>
+                    <a:p>
+                      <a:r>
+                        <a:rPr lang="en-US" sz="1400" dirty="0">
+                          <a:solidFill>
+                            <a:schemeClr val="tx1">
+                              <a:lumMod val="65000"/>
+                              <a:lumOff val="35000"/>
+                            </a:schemeClr>
+                          </a:solidFill>
+                          <a:latin typeface="EB Garamond" pitchFamily="2" charset="0"/>
+                          <a:ea typeface="EB Garamond" pitchFamily="2" charset="0"/>
+                        </a:rPr>
+                        <a:t>~$30,000</a:t>
+                      </a:r>
+                    </a:p>
+                  </a:txBody>
+                  <a:tcPr/>
+                </a:tc>
+                <a:tc>
+                  <a:txBody>
+                    <a:bodyPr/>
+                    <a:lstStyle/>
+                    <a:p>
+                      <a:r>
+                        <a:rPr lang="en-US" sz="1400" dirty="0">
+                          <a:solidFill>
+                            <a:schemeClr val="tx1">
+                              <a:lumMod val="65000"/>
+                              <a:lumOff val="35000"/>
+                            </a:schemeClr>
+                          </a:solidFill>
+                          <a:latin typeface="EB Garamond" pitchFamily="2" charset="0"/>
+                          <a:ea typeface="EB Garamond" pitchFamily="2" charset="0"/>
+                        </a:rPr>
+                        <a:t>Very High</a:t>
+                      </a:r>
+                    </a:p>
+                  </a:txBody>
+                  <a:tcPr/>
+                </a:tc>
+                <a:extLst>
+                  <a:ext uri="{0D108BD9-81ED-4DB2-BD59-A6C34878D82A}">
+                    <a16:rowId xmlns:a16="http://schemas.microsoft.com/office/drawing/2014/main" val="1233639284"/>
+                  </a:ext>
+                </a:extLst>
+              </a:tr>
+              <a:tr h="368077">
+                <a:tc>
+                  <a:txBody>
+                    <a:bodyPr/>
+                    <a:lstStyle/>
+                    <a:p>
+                      <a:r>
+                        <a:rPr lang="en-US" sz="1400" dirty="0">
+                          <a:solidFill>
+                            <a:schemeClr val="tx1">
+                              <a:lumMod val="65000"/>
+                              <a:lumOff val="35000"/>
+                            </a:schemeClr>
+                          </a:solidFill>
+                          <a:latin typeface="EB Garamond" pitchFamily="2" charset="0"/>
+                          <a:ea typeface="EB Garamond" pitchFamily="2" charset="0"/>
+                        </a:rPr>
+                        <a:t>CLR</a:t>
+                      </a:r>
+                    </a:p>
+                  </a:txBody>
+                  <a:tcPr/>
+                </a:tc>
+                <a:tc>
+                  <a:txBody>
+                    <a:bodyPr/>
+                    <a:lstStyle/>
+                    <a:p>
+                      <a:r>
+                        <a:rPr lang="en-US" sz="1400" dirty="0">
+                          <a:solidFill>
+                            <a:schemeClr val="tx1">
+                              <a:lumMod val="65000"/>
+                              <a:lumOff val="35000"/>
+                            </a:schemeClr>
+                          </a:solidFill>
+                          <a:latin typeface="EB Garamond" pitchFamily="2" charset="0"/>
+                          <a:ea typeface="EB Garamond" pitchFamily="2" charset="0"/>
+                        </a:rPr>
+                        <a:t>~$27,000</a:t>
+                      </a:r>
+                    </a:p>
+                  </a:txBody>
+                  <a:tcPr/>
+                </a:tc>
+                <a:tc>
+                  <a:txBody>
+                    <a:bodyPr/>
+                    <a:lstStyle/>
+                    <a:p>
+                      <a:r>
+                        <a:rPr lang="en-US" sz="1400" dirty="0">
+                          <a:solidFill>
+                            <a:schemeClr val="tx1">
+                              <a:lumMod val="65000"/>
+                              <a:lumOff val="35000"/>
+                            </a:schemeClr>
+                          </a:solidFill>
+                          <a:latin typeface="EB Garamond" pitchFamily="2" charset="0"/>
+                          <a:ea typeface="EB Garamond" pitchFamily="2" charset="0"/>
+                        </a:rPr>
+                        <a:t>Medium</a:t>
+                      </a:r>
+                    </a:p>
+                  </a:txBody>
+                  <a:tcPr/>
+                </a:tc>
+                <a:extLst>
+                  <a:ext uri="{0D108BD9-81ED-4DB2-BD59-A6C34878D82A}">
+                    <a16:rowId xmlns:a16="http://schemas.microsoft.com/office/drawing/2014/main" val="756752360"/>
+                  </a:ext>
+                </a:extLst>
+              </a:tr>
+              <a:tr h="368077">
+                <a:tc>
+                  <a:txBody>
+                    <a:bodyPr/>
+                    <a:lstStyle/>
+                    <a:p>
+                      <a:r>
+                        <a:rPr lang="en-US" sz="1400" dirty="0">
+                          <a:solidFill>
+                            <a:schemeClr val="tx1">
+                              <a:lumMod val="65000"/>
+                              <a:lumOff val="35000"/>
+                            </a:schemeClr>
+                          </a:solidFill>
+                          <a:latin typeface="EB Garamond" pitchFamily="2" charset="0"/>
+                          <a:ea typeface="EB Garamond" pitchFamily="2" charset="0"/>
+                        </a:rPr>
+                        <a:t>RF</a:t>
+                      </a:r>
+                    </a:p>
+                  </a:txBody>
+                  <a:tcPr/>
+                </a:tc>
+                <a:tc>
+                  <a:txBody>
+                    <a:bodyPr/>
+                    <a:lstStyle/>
+                    <a:p>
+                      <a:endParaRPr lang="en-US" sz="1400" dirty="0">
+                        <a:solidFill>
+                          <a:schemeClr val="tx1">
+                            <a:lumMod val="65000"/>
+                            <a:lumOff val="35000"/>
+                          </a:schemeClr>
+                        </a:solidFill>
+                        <a:latin typeface="EB Garamond" pitchFamily="2" charset="0"/>
+                        <a:ea typeface="EB Garamond" pitchFamily="2" charset="0"/>
+                      </a:endParaRPr>
+                    </a:p>
+                  </a:txBody>
+                  <a:tcPr/>
+                </a:tc>
+                <a:tc>
+                  <a:txBody>
+                    <a:bodyPr/>
+                    <a:lstStyle/>
+                    <a:p>
+                      <a:r>
+                        <a:rPr lang="en-US" sz="1400" dirty="0">
+                          <a:solidFill>
+                            <a:schemeClr val="tx1">
+                              <a:lumMod val="65000"/>
+                              <a:lumOff val="35000"/>
+                            </a:schemeClr>
+                          </a:solidFill>
+                          <a:latin typeface="EB Garamond" pitchFamily="2" charset="0"/>
+                          <a:ea typeface="EB Garamond" pitchFamily="2" charset="0"/>
+                        </a:rPr>
+                        <a:t>Low</a:t>
+                      </a:r>
+                    </a:p>
+                  </a:txBody>
+                  <a:tcPr/>
+                </a:tc>
+                <a:extLst>
+                  <a:ext uri="{0D108BD9-81ED-4DB2-BD59-A6C34878D82A}">
+                    <a16:rowId xmlns:a16="http://schemas.microsoft.com/office/drawing/2014/main" val="2609245630"/>
+                  </a:ext>
+                </a:extLst>
+              </a:tr>
+            </a:tbl>
+          </a:graphicData>
+        </a:graphic>
+      </p:graphicFrame>
     </p:spTree>
   </p:cSld>
   <p:clrMapOvr>

--- a/MSDS 6372 Project 1.pptx
+++ b/MSDS 6372 Project 1.pptx
@@ -33225,6 +33225,141 @@
           </a:p>
         </p:txBody>
       </p:sp>
+      <p:pic>
+        <p:nvPicPr>
+          <p:cNvPr id="2" name="Picture 1">
+            <a:extLst>
+              <a:ext uri="{FF2B5EF4-FFF2-40B4-BE49-F238E27FC236}">
+                <a16:creationId xmlns:a16="http://schemas.microsoft.com/office/drawing/2014/main" id="{36D6DBB8-F7FE-1079-E125-9AA4090901CE}"/>
+              </a:ext>
+            </a:extLst>
+          </p:cNvPr>
+          <p:cNvPicPr>
+            <a:picLocks noChangeAspect="1"/>
+          </p:cNvPicPr>
+          <p:nvPr/>
+        </p:nvPicPr>
+        <p:blipFill>
+          <a:blip r:embed="rId3"/>
+          <a:stretch>
+            <a:fillRect/>
+          </a:stretch>
+        </p:blipFill>
+        <p:spPr>
+          <a:xfrm>
+            <a:off x="3241669" y="1338379"/>
+            <a:ext cx="5592549" cy="3019976"/>
+          </a:xfrm>
+          <a:prstGeom prst="rect">
+            <a:avLst/>
+          </a:prstGeom>
+        </p:spPr>
+      </p:pic>
+      <p:pic>
+        <p:nvPicPr>
+          <p:cNvPr id="3" name="Picture 2">
+            <a:extLst>
+              <a:ext uri="{FF2B5EF4-FFF2-40B4-BE49-F238E27FC236}">
+                <a16:creationId xmlns:a16="http://schemas.microsoft.com/office/drawing/2014/main" id="{FB9DD04B-BF17-F1B5-9473-A07B99398E08}"/>
+              </a:ext>
+            </a:extLst>
+          </p:cNvPr>
+          <p:cNvPicPr>
+            <a:picLocks noChangeAspect="1"/>
+          </p:cNvPicPr>
+          <p:nvPr/>
+        </p:nvPicPr>
+        <p:blipFill rotWithShape="1">
+          <a:blip r:embed="rId4"/>
+          <a:srcRect t="3961"/>
+          <a:stretch/>
+        </p:blipFill>
+        <p:spPr>
+          <a:xfrm>
+            <a:off x="104686" y="3319462"/>
+            <a:ext cx="3458999" cy="1798399"/>
+          </a:xfrm>
+          <a:prstGeom prst="rect">
+            <a:avLst/>
+          </a:prstGeom>
+        </p:spPr>
+      </p:pic>
+      <p:sp>
+        <p:nvSpPr>
+          <p:cNvPr id="4" name="TextBox 3">
+            <a:extLst>
+              <a:ext uri="{FF2B5EF4-FFF2-40B4-BE49-F238E27FC236}">
+                <a16:creationId xmlns:a16="http://schemas.microsoft.com/office/drawing/2014/main" id="{D1016184-B590-C41C-7237-4DF61B791A90}"/>
+              </a:ext>
+            </a:extLst>
+          </p:cNvPr>
+          <p:cNvSpPr txBox="1"/>
+          <p:nvPr/>
+        </p:nvSpPr>
+        <p:spPr>
+          <a:xfrm>
+            <a:off x="321336" y="1288792"/>
+            <a:ext cx="2814972" cy="461665"/>
+          </a:xfrm>
+          <a:prstGeom prst="rect">
+            <a:avLst/>
+          </a:prstGeom>
+          <a:noFill/>
+        </p:spPr>
+        <p:txBody>
+          <a:bodyPr wrap="square">
+            <a:spAutoFit/>
+          </a:bodyPr>
+          <a:lstStyle/>
+          <a:p>
+            <a:pPr marL="285750" indent="-285750">
+              <a:buFont typeface="Arial" panose="020B0604020202020204" pitchFamily="34" charset="0"/>
+              <a:buChar char="•"/>
+            </a:pPr>
+            <a:r>
+              <a:rPr lang="en-US" sz="1200" b="0" dirty="0">
+                <a:solidFill>
+                  <a:srgbClr val="3B3B3B"/>
+                </a:solidFill>
+                <a:effectLst/>
+                <a:latin typeface="+mn-lt"/>
+              </a:rPr>
+              <a:t>Random Forest Results:</a:t>
+            </a:r>
+          </a:p>
+          <a:p>
+            <a:pPr marL="285750" indent="-285750">
+              <a:buFont typeface="Arial" panose="020B0604020202020204" pitchFamily="34" charset="0"/>
+              <a:buChar char="•"/>
+            </a:pPr>
+            <a:r>
+              <a:rPr lang="en-US" sz="1200" dirty="0">
+                <a:solidFill>
+                  <a:srgbClr val="3B3B3B"/>
+                </a:solidFill>
+                <a:latin typeface="+mn-lt"/>
+              </a:rPr>
+              <a:t>RMSE: </a:t>
+            </a:r>
+            <a:r>
+              <a:rPr lang="en-US" sz="1200" b="1" dirty="0">
+                <a:solidFill>
+                  <a:srgbClr val="3B3B3B"/>
+                </a:solidFill>
+                <a:latin typeface="+mn-lt"/>
+              </a:rPr>
+              <a:t>0.018</a:t>
+            </a:r>
+            <a:endParaRPr lang="en-US" sz="1200" b="1" dirty="0">
+              <a:solidFill>
+                <a:srgbClr val="3B3B3B"/>
+              </a:solidFill>
+              <a:effectLst/>
+              <a:latin typeface="+mn-lt"/>
+            </a:endParaRPr>
+          </a:p>
+        </p:txBody>
+      </p:sp>
     </p:spTree>
     <p:extLst>
       <p:ext uri="{BB962C8B-B14F-4D97-AF65-F5344CB8AC3E}">
@@ -33466,7 +33601,33 @@
                 <a:cs typeface="EB Garamond"/>
                 <a:sym typeface="EB Garamond"/>
               </a:rPr>
-              <a:t>Saturn is a gas giant, composed mostly of hydrogen and helium</a:t>
+              <a:t>Useful for feature selection.</a:t>
+            </a:r>
+          </a:p>
+          <a:p>
+            <a:pPr marL="0" marR="0" lvl="0" indent="0" algn="r" rtl="0">
+              <a:lnSpc>
+                <a:spcPct val="100000"/>
+              </a:lnSpc>
+              <a:spcBef>
+                <a:spcPts val="0"/>
+              </a:spcBef>
+              <a:spcAft>
+                <a:spcPts val="0"/>
+              </a:spcAft>
+              <a:buNone/>
+            </a:pPr>
+            <a:r>
+              <a:rPr lang="en" sz="1100" dirty="0">
+                <a:solidFill>
+                  <a:srgbClr val="434343"/>
+                </a:solidFill>
+                <a:latin typeface="EB Garamond"/>
+                <a:ea typeface="EB Garamond"/>
+                <a:cs typeface="EB Garamond"/>
+                <a:sym typeface="EB Garamond"/>
+              </a:rPr>
+              <a:t>Hard to interpret.</a:t>
             </a:r>
             <a:endParaRPr sz="1100" dirty="0">
               <a:solidFill>
@@ -34207,7 +34368,7 @@
           <p:nvPr>
             <p:extLst>
               <p:ext uri="{D42A27DB-BD31-4B8C-83A1-F6EECF244321}">
-                <p14:modId xmlns:p14="http://schemas.microsoft.com/office/powerpoint/2010/main" val="2850410194"/>
+                <p14:modId xmlns:p14="http://schemas.microsoft.com/office/powerpoint/2010/main" val="3493384349"/>
               </p:ext>
             </p:extLst>
           </p:nvPr>
@@ -34495,16 +34656,19 @@
                     <a:bodyPr/>
                     <a:lstStyle/>
                     <a:p>
-                      <a:endParaRPr lang="en-US" sz="1400" dirty="0">
-                        <a:solidFill>
-                          <a:schemeClr val="tx1">
-                            <a:lumMod val="65000"/>
-                            <a:lumOff val="35000"/>
-                          </a:schemeClr>
-                        </a:solidFill>
-                        <a:latin typeface="EB Garamond" pitchFamily="2" charset="0"/>
-                        <a:ea typeface="EB Garamond" pitchFamily="2" charset="0"/>
-                      </a:endParaRPr>
+                      <a:r>
+                        <a:rPr lang="en-US" sz="1400" dirty="0">
+                          <a:solidFill>
+                            <a:schemeClr val="tx1">
+                              <a:lumMod val="65000"/>
+                              <a:lumOff val="35000"/>
+                            </a:schemeClr>
+                          </a:solidFill>
+                          <a:latin typeface="EB Garamond" pitchFamily="2" charset="0"/>
+                          <a:ea typeface="EB Garamond" pitchFamily="2" charset="0"/>
+                        </a:rPr>
+                        <a:t>Low</a:t>
+                      </a:r>
                     </a:p>
                   </a:txBody>
                   <a:tcPr/>
